--- a/NLP.pptx
+++ b/NLP.pptx
@@ -10020,7 +10020,7 @@
         </p:spPr>
         <p:txBody>
           <a:bodyPr>
-            <a:normAutofit fontScale="92500" lnSpcReduction="20000"/>
+            <a:normAutofit fontScale="92500" lnSpcReduction="10000"/>
           </a:bodyPr>
           <a:lstStyle/>
           <a:p>
@@ -10062,7 +10062,15 @@
             <a:pPr lvl="1"/>
             <a:r>
               <a:rPr lang="en-US" dirty="0"/>
-              <a:t>Pearson correlation coefficient showed positive correlation (0.4) between sentiment and stock trends for successful people but negative for random people.</a:t>
+              <a:t>Pearson correlation coefficient showed </a:t>
+            </a:r>
+            <a:r>
+              <a:rPr lang="en-US"/>
+              <a:t>positive correlation </a:t>
+            </a:r>
+            <a:r>
+              <a:rPr lang="en-US" dirty="0"/>
+              <a:t>between sentiment and stock trends for successful people but negative for random people.</a:t>
             </a:r>
           </a:p>
         </p:txBody>
